--- a/教案/MPI并行程序设计.pptx
+++ b/教案/MPI并行程序设计.pptx
@@ -384,7 +384,7 @@
               <a:pPr>
                 <a:defRPr/>
               </a:pPr>
-              <a:t>2018-3-27</a:t>
+              <a:t>2020/4/3</a:t>
             </a:fld>
             <a:endParaRPr lang="zh-CN" altLang="en-US"/>
           </a:p>
@@ -14842,7 +14842,7 @@
           <a:graphicData uri="http://schemas.openxmlformats.org/presentationml/2006/ole">
             <mc:AlternateContent xmlns:mc="http://schemas.openxmlformats.org/markup-compatibility/2006">
               <mc:Choice xmlns:v="urn:schemas-microsoft-com:vml" Requires="v">
-                <p:oleObj spid="_x0000_s1026" name="公式" r:id="rId3" imgW="609336" imgH="431613" progId="Equation.3">
+                <p:oleObj spid="_x0000_s1028" name="公式" r:id="rId3" imgW="609336" imgH="431613" progId="Equation.3">
                   <p:embed/>
                 </p:oleObj>
               </mc:Choice>
@@ -15720,7 +15720,7 @@
           <a:graphicData uri="http://schemas.openxmlformats.org/presentationml/2006/ole">
             <mc:AlternateContent xmlns:mc="http://schemas.openxmlformats.org/markup-compatibility/2006">
               <mc:Choice xmlns:v="urn:schemas-microsoft-com:vml" Requires="v">
-                <p:oleObj spid="_x0000_s2050" name="公式" r:id="rId3" imgW="1739900" imgH="393700" progId="Equation.3">
+                <p:oleObj spid="_x0000_s2052" name="公式" r:id="rId3" imgW="1739900" imgH="393700" progId="Equation.3">
                   <p:embed/>
                 </p:oleObj>
               </mc:Choice>
@@ -22806,11 +22806,9 @@
             <a:pPr lvl="1"/>
             <a:r>
               <a:rPr lang="en-US" altLang="zh-CN" sz="1100" dirty="0">
-                <a:latin typeface="Courier New" panose="02070309020205020404" pitchFamily="49" charset="0"/>
-                <a:cs typeface="Courier New" panose="02070309020205020404" pitchFamily="49" charset="0"/>
                 <a:hlinkClick r:id="rId2"/>
               </a:rPr>
-              <a:t>https://www.microsoft.com/en-us/download/details.aspx?id=49926</a:t>
+              <a:t>https://www.microsoft.com/en-us/download/details.aspx?id=57467</a:t>
             </a:r>
             <a:endParaRPr lang="en-US" altLang="zh-CN" sz="1100" dirty="0">
               <a:latin typeface="Courier New" panose="02070309020205020404" pitchFamily="49" charset="0"/>
@@ -24338,7 +24336,7 @@
           <a:graphicData uri="http://schemas.openxmlformats.org/presentationml/2006/ole">
             <mc:AlternateContent xmlns:mc="http://schemas.openxmlformats.org/markup-compatibility/2006">
               <mc:Choice xmlns:v="urn:schemas-microsoft-com:vml" Requires="v">
-                <p:oleObj spid="_x0000_s3074" name="公式" r:id="rId3" imgW="1739900" imgH="393700" progId="Equation.3">
+                <p:oleObj spid="_x0000_s3076" name="公式" r:id="rId3" imgW="1739900" imgH="393700" progId="Equation.3">
                   <p:embed/>
                 </p:oleObj>
               </mc:Choice>
@@ -27600,7 +27598,7 @@
         <p:spPr>
           <a:xfrm>
             <a:off x="1043608" y="4045249"/>
-            <a:ext cx="7697941" cy="2354491"/>
+            <a:ext cx="7803739" cy="2311851"/>
           </a:xfrm>
           <a:prstGeom prst="rect">
             <a:avLst/>
@@ -27836,12 +27834,16 @@
               <a:t>使用</a:t>
             </a:r>
             <a:r>
-              <a:rPr lang="en-US" altLang="zh-CN" sz="1400" dirty="0"/>
-              <a:t>MPI_SOURCE_ANY</a:t>
+              <a:rPr lang="en-US" altLang="zh-CN" sz="1400"/>
+              <a:t>MPI_ANY_SOURCE</a:t>
+            </a:r>
+            <a:r>
+              <a:rPr lang="zh-CN" altLang="en-US" sz="1400"/>
+              <a:t>作为</a:t>
             </a:r>
             <a:r>
               <a:rPr lang="zh-CN" altLang="en-US" sz="1400" dirty="0"/>
-              <a:t>作为接收的源进程号）；</a:t>
+              <a:t>接收的源进程号）；</a:t>
             </a:r>
             <a:endParaRPr lang="en-US" altLang="zh-CN" sz="1400" dirty="0"/>
           </a:p>
